--- a/修論/本文/figure/fig_3_1_10QW_broadcontact_Ith.pptx
+++ b/修論/本文/figure/fig_3_1_10QW_broadcontact_Ith.pptx
@@ -3729,10 +3729,10 @@
       </p:pic>
       <p:pic>
         <p:nvPicPr>
-          <p:cNvPr id="8" name="図 7">
-            <a:extLst>
-              <a:ext uri="{FF2B5EF4-FFF2-40B4-BE49-F238E27FC236}">
-                <a16:creationId xmlns:a16="http://schemas.microsoft.com/office/drawing/2014/main" id="{EB8C2A15-0773-4CF2-93DD-D4CD968C08E3}"/>
+          <p:cNvPr id="2" name="図 1">
+            <a:extLst>
+              <a:ext uri="{FF2B5EF4-FFF2-40B4-BE49-F238E27FC236}">
+                <a16:creationId xmlns:a16="http://schemas.microsoft.com/office/drawing/2014/main" id="{82392188-78D3-43EB-8A3A-4A4979ED2700}"/>
               </a:ext>
             </a:extLst>
           </p:cNvPr>
@@ -3749,7 +3749,7 @@
         </p:blipFill>
         <p:spPr>
           <a:xfrm>
-            <a:off x="1435768" y="1653406"/>
+            <a:off x="1451952" y="1653406"/>
             <a:ext cx="4902211" cy="3551187"/>
           </a:xfrm>
           <a:prstGeom prst="rect">
